--- a/Updated 1 basic concepts of interfacing.pptx
+++ b/Updated 1 basic concepts of interfacing.pptx
@@ -213,7 +213,7 @@
           <a:p>
             <a:fld id="{1D8BD707-D9CF-40AE-B4C6-C98DA3205C09}" type="datetimeFigureOut">
               <a:rPr lang="en-US"/>
-              <a:t>6/16/2025</a:t>
+              <a:t>6/23/2025</a:t>
             </a:fld>
             <a:endParaRPr lang="en-US"/>
           </a:p>
@@ -390,7 +390,7 @@
           <a:p>
             <a:fld id="{1D8BD707-D9CF-40AE-B4C6-C98DA3205C09}" type="datetimeFigureOut">
               <a:rPr lang="en-US"/>
-              <a:t>6/16/2025</a:t>
+              <a:t>6/23/2025</a:t>
             </a:fld>
             <a:endParaRPr lang="en-US"/>
           </a:p>
@@ -604,7 +604,7 @@
           <a:p>
             <a:fld id="{1D8BD707-D9CF-40AE-B4C6-C98DA3205C09}" type="datetimeFigureOut">
               <a:rPr lang="en-US"/>
-              <a:t>6/16/2025</a:t>
+              <a:t>6/23/2025</a:t>
             </a:fld>
             <a:endParaRPr lang="en-US"/>
           </a:p>
@@ -752,7 +752,7 @@
           <a:p>
             <a:fld id="{1D8BD707-D9CF-40AE-B4C6-C98DA3205C09}" type="datetimeFigureOut">
               <a:rPr lang="en-US"/>
-              <a:t>6/16/2025</a:t>
+              <a:t>6/23/2025</a:t>
             </a:fld>
             <a:endParaRPr lang="en-US"/>
           </a:p>
@@ -871,7 +871,7 @@
           <a:p>
             <a:fld id="{1D8BD707-D9CF-40AE-B4C6-C98DA3205C09}" type="datetimeFigureOut">
               <a:rPr lang="en-US"/>
-              <a:t>6/16/2025</a:t>
+              <a:t>6/23/2025</a:t>
             </a:fld>
             <a:endParaRPr lang="en-US"/>
           </a:p>
@@ -1096,7 +1096,7 @@
           <a:p>
             <a:fld id="{1D8BD707-D9CF-40AE-B4C6-C98DA3205C09}" type="datetimeFigureOut">
               <a:rPr lang="en-US"/>
-              <a:t>6/16/2025</a:t>
+              <a:t>6/23/2025</a:t>
             </a:fld>
             <a:endParaRPr lang="en-US"/>
           </a:p>
